--- a/2-8_Neural_Network.pptx
+++ b/2-8_Neural_Network.pptx
@@ -268,7 +268,7 @@
           <a:p>
             <a:fld id="{77FEA0BB-C783-4762-ADAD-4AE1164CAFDA}" type="datetimeFigureOut">
               <a:rPr lang="ko-KR" altLang="en-US" smtClean="0"/>
-              <a:t>2022-04-03</a:t>
+              <a:t>2022-04-11</a:t>
             </a:fld>
             <a:endParaRPr lang="ko-KR" altLang="en-US"/>
           </a:p>
@@ -466,7 +466,7 @@
           <a:p>
             <a:fld id="{77FEA0BB-C783-4762-ADAD-4AE1164CAFDA}" type="datetimeFigureOut">
               <a:rPr lang="ko-KR" altLang="en-US" smtClean="0"/>
-              <a:t>2022-04-03</a:t>
+              <a:t>2022-04-11</a:t>
             </a:fld>
             <a:endParaRPr lang="ko-KR" altLang="en-US"/>
           </a:p>
@@ -674,7 +674,7 @@
           <a:p>
             <a:fld id="{77FEA0BB-C783-4762-ADAD-4AE1164CAFDA}" type="datetimeFigureOut">
               <a:rPr lang="ko-KR" altLang="en-US" smtClean="0"/>
-              <a:t>2022-04-03</a:t>
+              <a:t>2022-04-11</a:t>
             </a:fld>
             <a:endParaRPr lang="ko-KR" altLang="en-US"/>
           </a:p>
@@ -872,7 +872,7 @@
           <a:p>
             <a:fld id="{77FEA0BB-C783-4762-ADAD-4AE1164CAFDA}" type="datetimeFigureOut">
               <a:rPr lang="ko-KR" altLang="en-US" smtClean="0"/>
-              <a:t>2022-04-03</a:t>
+              <a:t>2022-04-11</a:t>
             </a:fld>
             <a:endParaRPr lang="ko-KR" altLang="en-US"/>
           </a:p>
@@ -1147,7 +1147,7 @@
           <a:p>
             <a:fld id="{77FEA0BB-C783-4762-ADAD-4AE1164CAFDA}" type="datetimeFigureOut">
               <a:rPr lang="ko-KR" altLang="en-US" smtClean="0"/>
-              <a:t>2022-04-03</a:t>
+              <a:t>2022-04-11</a:t>
             </a:fld>
             <a:endParaRPr lang="ko-KR" altLang="en-US"/>
           </a:p>
@@ -1412,7 +1412,7 @@
           <a:p>
             <a:fld id="{77FEA0BB-C783-4762-ADAD-4AE1164CAFDA}" type="datetimeFigureOut">
               <a:rPr lang="ko-KR" altLang="en-US" smtClean="0"/>
-              <a:t>2022-04-03</a:t>
+              <a:t>2022-04-11</a:t>
             </a:fld>
             <a:endParaRPr lang="ko-KR" altLang="en-US"/>
           </a:p>
@@ -1824,7 +1824,7 @@
           <a:p>
             <a:fld id="{77FEA0BB-C783-4762-ADAD-4AE1164CAFDA}" type="datetimeFigureOut">
               <a:rPr lang="ko-KR" altLang="en-US" smtClean="0"/>
-              <a:t>2022-04-03</a:t>
+              <a:t>2022-04-11</a:t>
             </a:fld>
             <a:endParaRPr lang="ko-KR" altLang="en-US"/>
           </a:p>
@@ -1965,7 +1965,7 @@
           <a:p>
             <a:fld id="{77FEA0BB-C783-4762-ADAD-4AE1164CAFDA}" type="datetimeFigureOut">
               <a:rPr lang="ko-KR" altLang="en-US" smtClean="0"/>
-              <a:t>2022-04-03</a:t>
+              <a:t>2022-04-11</a:t>
             </a:fld>
             <a:endParaRPr lang="ko-KR" altLang="en-US"/>
           </a:p>
@@ -2078,7 +2078,7 @@
           <a:p>
             <a:fld id="{77FEA0BB-C783-4762-ADAD-4AE1164CAFDA}" type="datetimeFigureOut">
               <a:rPr lang="ko-KR" altLang="en-US" smtClean="0"/>
-              <a:t>2022-04-03</a:t>
+              <a:t>2022-04-11</a:t>
             </a:fld>
             <a:endParaRPr lang="ko-KR" altLang="en-US"/>
           </a:p>
@@ -2389,7 +2389,7 @@
           <a:p>
             <a:fld id="{77FEA0BB-C783-4762-ADAD-4AE1164CAFDA}" type="datetimeFigureOut">
               <a:rPr lang="ko-KR" altLang="en-US" smtClean="0"/>
-              <a:t>2022-04-03</a:t>
+              <a:t>2022-04-11</a:t>
             </a:fld>
             <a:endParaRPr lang="ko-KR" altLang="en-US"/>
           </a:p>
@@ -2677,7 +2677,7 @@
           <a:p>
             <a:fld id="{77FEA0BB-C783-4762-ADAD-4AE1164CAFDA}" type="datetimeFigureOut">
               <a:rPr lang="ko-KR" altLang="en-US" smtClean="0"/>
-              <a:t>2022-04-03</a:t>
+              <a:t>2022-04-11</a:t>
             </a:fld>
             <a:endParaRPr lang="ko-KR" altLang="en-US"/>
           </a:p>
@@ -2918,7 +2918,7 @@
           <a:p>
             <a:fld id="{77FEA0BB-C783-4762-ADAD-4AE1164CAFDA}" type="datetimeFigureOut">
               <a:rPr lang="ko-KR" altLang="en-US" smtClean="0"/>
-              <a:t>2022-04-03</a:t>
+              <a:t>2022-04-11</a:t>
             </a:fld>
             <a:endParaRPr lang="ko-KR" altLang="en-US"/>
           </a:p>
@@ -4047,7 +4047,7 @@
           <a:p>
             <a:r>
               <a:rPr lang="en-US" altLang="ko-KR" dirty="0"/>
-              <a:t>Fundamental Concept</a:t>
+              <a:t>Algorithm</a:t>
             </a:r>
             <a:br>
               <a:rPr lang="en-US" altLang="ko-KR" dirty="0"/>
@@ -4296,7 +4296,7 @@
           <a:p>
             <a:r>
               <a:rPr lang="en-US" altLang="ko-KR" dirty="0"/>
-              <a:t>Fundamental Concept</a:t>
+              <a:t>Algorithm</a:t>
             </a:r>
             <a:br>
               <a:rPr lang="en-US" altLang="ko-KR" dirty="0"/>
@@ -5092,7 +5092,7 @@
           <a:p>
             <a:r>
               <a:rPr lang="en-US" altLang="ko-KR" dirty="0"/>
-              <a:t>Fundamental Concept</a:t>
+              <a:t>Algorithm</a:t>
             </a:r>
             <a:br>
               <a:rPr lang="en-US" altLang="ko-KR" dirty="0"/>
@@ -5428,22 +5428,22 @@
         </p:spPr>
         <p:txBody>
           <a:bodyPr>
-            <a:normAutofit fontScale="90000"/>
+            <a:normAutofit/>
           </a:bodyPr>
           <a:lstStyle/>
           <a:p>
             <a:r>
-              <a:rPr lang="en-US" altLang="ko-KR" sz="4900" dirty="0"/>
-              <a:t>Fundamental Concept</a:t>
+              <a:rPr lang="en-US" altLang="ko-KR" sz="4400" dirty="0"/>
+              <a:t>Algorithm</a:t>
             </a:r>
             <a:br>
               <a:rPr lang="en-US" altLang="ko-KR" sz="4400" dirty="0"/>
             </a:br>
             <a:r>
-              <a:rPr lang="en-US" altLang="ko-KR" sz="3100" dirty="0"/>
+              <a:rPr lang="en-US" altLang="ko-KR" sz="2400" dirty="0"/>
               <a:t>fault perceptron</a:t>
             </a:r>
-            <a:endParaRPr lang="ko-KR" altLang="en-US" sz="3100" dirty="0"/>
+            <a:endParaRPr lang="ko-KR" altLang="en-US" sz="2400" dirty="0"/>
           </a:p>
         </p:txBody>
       </p:sp>

--- a/2-8_Neural_Network.pptx
+++ b/2-8_Neural_Network.pptx
@@ -268,7 +268,7 @@
           <a:p>
             <a:fld id="{77FEA0BB-C783-4762-ADAD-4AE1164CAFDA}" type="datetimeFigureOut">
               <a:rPr lang="ko-KR" altLang="en-US" smtClean="0"/>
-              <a:t>2022-04-11</a:t>
+              <a:t>2022-04-12</a:t>
             </a:fld>
             <a:endParaRPr lang="ko-KR" altLang="en-US"/>
           </a:p>
@@ -466,7 +466,7 @@
           <a:p>
             <a:fld id="{77FEA0BB-C783-4762-ADAD-4AE1164CAFDA}" type="datetimeFigureOut">
               <a:rPr lang="ko-KR" altLang="en-US" smtClean="0"/>
-              <a:t>2022-04-11</a:t>
+              <a:t>2022-04-12</a:t>
             </a:fld>
             <a:endParaRPr lang="ko-KR" altLang="en-US"/>
           </a:p>
@@ -674,7 +674,7 @@
           <a:p>
             <a:fld id="{77FEA0BB-C783-4762-ADAD-4AE1164CAFDA}" type="datetimeFigureOut">
               <a:rPr lang="ko-KR" altLang="en-US" smtClean="0"/>
-              <a:t>2022-04-11</a:t>
+              <a:t>2022-04-12</a:t>
             </a:fld>
             <a:endParaRPr lang="ko-KR" altLang="en-US"/>
           </a:p>
@@ -872,7 +872,7 @@
           <a:p>
             <a:fld id="{77FEA0BB-C783-4762-ADAD-4AE1164CAFDA}" type="datetimeFigureOut">
               <a:rPr lang="ko-KR" altLang="en-US" smtClean="0"/>
-              <a:t>2022-04-11</a:t>
+              <a:t>2022-04-12</a:t>
             </a:fld>
             <a:endParaRPr lang="ko-KR" altLang="en-US"/>
           </a:p>
@@ -1147,7 +1147,7 @@
           <a:p>
             <a:fld id="{77FEA0BB-C783-4762-ADAD-4AE1164CAFDA}" type="datetimeFigureOut">
               <a:rPr lang="ko-KR" altLang="en-US" smtClean="0"/>
-              <a:t>2022-04-11</a:t>
+              <a:t>2022-04-12</a:t>
             </a:fld>
             <a:endParaRPr lang="ko-KR" altLang="en-US"/>
           </a:p>
@@ -1412,7 +1412,7 @@
           <a:p>
             <a:fld id="{77FEA0BB-C783-4762-ADAD-4AE1164CAFDA}" type="datetimeFigureOut">
               <a:rPr lang="ko-KR" altLang="en-US" smtClean="0"/>
-              <a:t>2022-04-11</a:t>
+              <a:t>2022-04-12</a:t>
             </a:fld>
             <a:endParaRPr lang="ko-KR" altLang="en-US"/>
           </a:p>
@@ -1824,7 +1824,7 @@
           <a:p>
             <a:fld id="{77FEA0BB-C783-4762-ADAD-4AE1164CAFDA}" type="datetimeFigureOut">
               <a:rPr lang="ko-KR" altLang="en-US" smtClean="0"/>
-              <a:t>2022-04-11</a:t>
+              <a:t>2022-04-12</a:t>
             </a:fld>
             <a:endParaRPr lang="ko-KR" altLang="en-US"/>
           </a:p>
@@ -1965,7 +1965,7 @@
           <a:p>
             <a:fld id="{77FEA0BB-C783-4762-ADAD-4AE1164CAFDA}" type="datetimeFigureOut">
               <a:rPr lang="ko-KR" altLang="en-US" smtClean="0"/>
-              <a:t>2022-04-11</a:t>
+              <a:t>2022-04-12</a:t>
             </a:fld>
             <a:endParaRPr lang="ko-KR" altLang="en-US"/>
           </a:p>
@@ -2078,7 +2078,7 @@
           <a:p>
             <a:fld id="{77FEA0BB-C783-4762-ADAD-4AE1164CAFDA}" type="datetimeFigureOut">
               <a:rPr lang="ko-KR" altLang="en-US" smtClean="0"/>
-              <a:t>2022-04-11</a:t>
+              <a:t>2022-04-12</a:t>
             </a:fld>
             <a:endParaRPr lang="ko-KR" altLang="en-US"/>
           </a:p>
@@ -2389,7 +2389,7 @@
           <a:p>
             <a:fld id="{77FEA0BB-C783-4762-ADAD-4AE1164CAFDA}" type="datetimeFigureOut">
               <a:rPr lang="ko-KR" altLang="en-US" smtClean="0"/>
-              <a:t>2022-04-11</a:t>
+              <a:t>2022-04-12</a:t>
             </a:fld>
             <a:endParaRPr lang="ko-KR" altLang="en-US"/>
           </a:p>
@@ -2677,7 +2677,7 @@
           <a:p>
             <a:fld id="{77FEA0BB-C783-4762-ADAD-4AE1164CAFDA}" type="datetimeFigureOut">
               <a:rPr lang="ko-KR" altLang="en-US" smtClean="0"/>
-              <a:t>2022-04-11</a:t>
+              <a:t>2022-04-12</a:t>
             </a:fld>
             <a:endParaRPr lang="ko-KR" altLang="en-US"/>
           </a:p>
@@ -2918,7 +2918,7 @@
           <a:p>
             <a:fld id="{77FEA0BB-C783-4762-ADAD-4AE1164CAFDA}" type="datetimeFigureOut">
               <a:rPr lang="ko-KR" altLang="en-US" smtClean="0"/>
-              <a:t>2022-04-11</a:t>
+              <a:t>2022-04-12</a:t>
             </a:fld>
             <a:endParaRPr lang="ko-KR" altLang="en-US"/>
           </a:p>
@@ -3429,6 +3429,52 @@
           </a:prstGeom>
         </p:spPr>
       </p:pic>
+      <p:sp>
+        <p:nvSpPr>
+          <p:cNvPr id="5" name="TextBox 4">
+            <a:extLst>
+              <a:ext uri="{FF2B5EF4-FFF2-40B4-BE49-F238E27FC236}">
+                <a16:creationId xmlns:a16="http://schemas.microsoft.com/office/drawing/2014/main" id="{4C0C16D8-B675-448A-8295-6F20E9E47924}"/>
+              </a:ext>
+            </a:extLst>
+          </p:cNvPr>
+          <p:cNvSpPr txBox="1"/>
+          <p:nvPr/>
+        </p:nvSpPr>
+        <p:spPr>
+          <a:xfrm>
+            <a:off x="0" y="6211669"/>
+            <a:ext cx="2805576" cy="646331"/>
+          </a:xfrm>
+          <a:prstGeom prst="rect">
+            <a:avLst/>
+          </a:prstGeom>
+          <a:noFill/>
+        </p:spPr>
+        <p:txBody>
+          <a:bodyPr wrap="none" rtlCol="0">
+            <a:spAutoFit/>
+          </a:bodyPr>
+          <a:lstStyle/>
+          <a:p>
+            <a:r>
+              <a:rPr lang="ko-KR" altLang="en-US" dirty="0"/>
+              <a:t>경희대학교 컴퓨터공학과</a:t>
+            </a:r>
+            <a:endParaRPr lang="en-US" altLang="ko-KR" dirty="0"/>
+          </a:p>
+          <a:p>
+            <a:r>
+              <a:rPr lang="en-US" altLang="ko-KR" dirty="0"/>
+              <a:t>2019102191 </a:t>
+            </a:r>
+            <a:r>
+              <a:rPr lang="ko-KR" altLang="en-US" dirty="0"/>
+              <a:t>신주영</a:t>
+            </a:r>
+          </a:p>
+        </p:txBody>
+      </p:sp>
     </p:spTree>
     <p:extLst>
       <p:ext uri="{BB962C8B-B14F-4D97-AF65-F5344CB8AC3E}">
